--- a/Segmentación de Vendedores en Mercado Libre.pptx
+++ b/Segmentación de Vendedores en Mercado Libre.pptx
@@ -5,10 +5,10 @@
     <p:sldMasterId id="2147483658" r:id="rId4"/>
   </p:sldMasterIdLst>
   <p:notesMasterIdLst>
-    <p:notesMasterId r:id="rId20"/>
+    <p:notesMasterId r:id="rId21"/>
   </p:notesMasterIdLst>
   <p:handoutMasterIdLst>
-    <p:handoutMasterId r:id="rId21"/>
+    <p:handoutMasterId r:id="rId22"/>
   </p:handoutMasterIdLst>
   <p:sldIdLst>
     <p:sldId id="410" r:id="rId5"/>
@@ -23,9 +23,10 @@
     <p:sldId id="406" r:id="rId14"/>
     <p:sldId id="405" r:id="rId15"/>
     <p:sldId id="403" r:id="rId16"/>
-    <p:sldId id="404" r:id="rId17"/>
-    <p:sldId id="413" r:id="rId18"/>
-    <p:sldId id="398" r:id="rId19"/>
+    <p:sldId id="413" r:id="rId17"/>
+    <p:sldId id="414" r:id="rId18"/>
+    <p:sldId id="415" r:id="rId19"/>
+    <p:sldId id="398" r:id="rId20"/>
   </p:sldIdLst>
   <p:sldSz cx="12192000" cy="6858000"/>
   <p:notesSz cx="6858000" cy="9144000"/>
@@ -205,7 +206,7 @@
             <a:pPr rtl="0"/>
             <a:fld id="{2F41AB2A-FCB0-449C-94A2-E3FFDC5F192E}" type="datetime1">
               <a:rPr lang="pt-BR" smtClean="0"/>
-              <a:t>11/02/2025</a:t>
+              <a:t>12/02/2025</a:t>
             </a:fld>
             <a:endParaRPr lang="pt-BR" dirty="0"/>
           </a:p>
@@ -424,7 +425,7 @@
             <a:fld id="{6F315709-B4D1-47A8-A516-AEABF47ED22D}" type="datetime1">
               <a:rPr lang="pt-BR" smtClean="0"/>
               <a:pPr/>
-              <a:t>11/02/2025</a:t>
+              <a:t>12/02/2025</a:t>
             </a:fld>
             <a:endParaRPr lang="pt-BR" dirty="0"/>
           </a:p>
@@ -1162,7 +1163,7 @@
     </p:spTree>
     <p:extLst>
       <p:ext uri="{BB962C8B-B14F-4D97-AF65-F5344CB8AC3E}">
-        <p14:creationId xmlns:p14="http://schemas.microsoft.com/office/powerpoint/2010/main" val="634596896"/>
+        <p14:creationId xmlns:p14="http://schemas.microsoft.com/office/powerpoint/2010/main" val="4050233131"/>
       </p:ext>
     </p:extLst>
   </p:cSld>
@@ -1173,6 +1174,242 @@
 </file>
 
 <file path=ppt/notesSlides/notesSlide14.xml><?xml version="1.0" encoding="utf-8"?>
+<p:notes xmlns:a="http://schemas.openxmlformats.org/drawingml/2006/main" xmlns:r="http://schemas.openxmlformats.org/officeDocument/2006/relationships" xmlns:p="http://schemas.openxmlformats.org/presentationml/2006/main">
+  <p:cSld>
+    <p:spTree>
+      <p:nvGrpSpPr>
+        <p:cNvPr id="1" name="">
+          <a:extLst>
+            <a:ext uri="{FF2B5EF4-FFF2-40B4-BE49-F238E27FC236}">
+              <a16:creationId xmlns:a16="http://schemas.microsoft.com/office/drawing/2014/main" id="{0B90458A-E635-1595-BF1E-75912B669127}"/>
+            </a:ext>
+          </a:extLst>
+        </p:cNvPr>
+        <p:cNvGrpSpPr/>
+        <p:nvPr/>
+      </p:nvGrpSpPr>
+      <p:grpSpPr>
+        <a:xfrm>
+          <a:off x="0" y="0"/>
+          <a:ext cx="0" cy="0"/>
+          <a:chOff x="0" y="0"/>
+          <a:chExt cx="0" cy="0"/>
+        </a:xfrm>
+      </p:grpSpPr>
+      <p:sp>
+        <p:nvSpPr>
+          <p:cNvPr id="2" name="Espaço Reservado para Imagem do Slide 1">
+            <a:extLst>
+              <a:ext uri="{FF2B5EF4-FFF2-40B4-BE49-F238E27FC236}">
+                <a16:creationId xmlns:a16="http://schemas.microsoft.com/office/drawing/2014/main" id="{15D0122D-E1C4-4EB0-0410-150571046DA2}"/>
+              </a:ext>
+            </a:extLst>
+          </p:cNvPr>
+          <p:cNvSpPr>
+            <a:spLocks noGrp="1" noRot="1" noChangeAspect="1"/>
+          </p:cNvSpPr>
+          <p:nvPr>
+            <p:ph type="sldImg"/>
+          </p:nvPr>
+        </p:nvSpPr>
+        <p:spPr/>
+      </p:sp>
+      <p:sp>
+        <p:nvSpPr>
+          <p:cNvPr id="3" name="Espaço Reservado para Notas 2">
+            <a:extLst>
+              <a:ext uri="{FF2B5EF4-FFF2-40B4-BE49-F238E27FC236}">
+                <a16:creationId xmlns:a16="http://schemas.microsoft.com/office/drawing/2014/main" id="{D2F452ED-4EF7-B17F-9654-86C300385DF4}"/>
+              </a:ext>
+            </a:extLst>
+          </p:cNvPr>
+          <p:cNvSpPr>
+            <a:spLocks noGrp="1"/>
+          </p:cNvSpPr>
+          <p:nvPr>
+            <p:ph type="body" idx="1"/>
+          </p:nvPr>
+        </p:nvSpPr>
+        <p:spPr/>
+        <p:txBody>
+          <a:bodyPr rtlCol="0"/>
+          <a:lstStyle>
+            <a:defPPr>
+              <a:defRPr lang="pt-BR"/>
+            </a:defPPr>
+          </a:lstStyle>
+          <a:p>
+            <a:pPr rtl="0"/>
+            <a:endParaRPr lang="pt-BR" dirty="0"/>
+          </a:p>
+        </p:txBody>
+      </p:sp>
+      <p:sp>
+        <p:nvSpPr>
+          <p:cNvPr id="4" name="Espaço Reservado para o Número do Slide 3">
+            <a:extLst>
+              <a:ext uri="{FF2B5EF4-FFF2-40B4-BE49-F238E27FC236}">
+                <a16:creationId xmlns:a16="http://schemas.microsoft.com/office/drawing/2014/main" id="{7F90F200-12A1-6810-37FB-FA512EBC18FE}"/>
+              </a:ext>
+            </a:extLst>
+          </p:cNvPr>
+          <p:cNvSpPr>
+            <a:spLocks noGrp="1"/>
+          </p:cNvSpPr>
+          <p:nvPr>
+            <p:ph type="sldNum" sz="quarter" idx="5"/>
+          </p:nvPr>
+        </p:nvSpPr>
+        <p:spPr/>
+        <p:txBody>
+          <a:bodyPr rtlCol="0"/>
+          <a:lstStyle>
+            <a:defPPr>
+              <a:defRPr lang="pt-BR"/>
+            </a:defPPr>
+          </a:lstStyle>
+          <a:p>
+            <a:pPr rtl="0"/>
+            <a:fld id="{A89C7E07-3C67-C64C-8DA0-0404F6303970}" type="slidenum">
+              <a:rPr lang="pt-BR" smtClean="0"/>
+              <a:t>14</a:t>
+            </a:fld>
+            <a:endParaRPr lang="pt-BR" dirty="0"/>
+          </a:p>
+        </p:txBody>
+      </p:sp>
+    </p:spTree>
+    <p:extLst>
+      <p:ext uri="{BB962C8B-B14F-4D97-AF65-F5344CB8AC3E}">
+        <p14:creationId xmlns:p14="http://schemas.microsoft.com/office/powerpoint/2010/main" val="3239751073"/>
+      </p:ext>
+    </p:extLst>
+  </p:cSld>
+  <p:clrMapOvr>
+    <a:masterClrMapping/>
+  </p:clrMapOvr>
+</p:notes>
+</file>
+
+<file path=ppt/notesSlides/notesSlide15.xml><?xml version="1.0" encoding="utf-8"?>
+<p:notes xmlns:a="http://schemas.openxmlformats.org/drawingml/2006/main" xmlns:r="http://schemas.openxmlformats.org/officeDocument/2006/relationships" xmlns:p="http://schemas.openxmlformats.org/presentationml/2006/main">
+  <p:cSld>
+    <p:spTree>
+      <p:nvGrpSpPr>
+        <p:cNvPr id="1" name="">
+          <a:extLst>
+            <a:ext uri="{FF2B5EF4-FFF2-40B4-BE49-F238E27FC236}">
+              <a16:creationId xmlns:a16="http://schemas.microsoft.com/office/drawing/2014/main" id="{9ADE2A90-36D1-99B3-7A6B-51DF66633BBD}"/>
+            </a:ext>
+          </a:extLst>
+        </p:cNvPr>
+        <p:cNvGrpSpPr/>
+        <p:nvPr/>
+      </p:nvGrpSpPr>
+      <p:grpSpPr>
+        <a:xfrm>
+          <a:off x="0" y="0"/>
+          <a:ext cx="0" cy="0"/>
+          <a:chOff x="0" y="0"/>
+          <a:chExt cx="0" cy="0"/>
+        </a:xfrm>
+      </p:grpSpPr>
+      <p:sp>
+        <p:nvSpPr>
+          <p:cNvPr id="2" name="Espaço Reservado para Imagem do Slide 1">
+            <a:extLst>
+              <a:ext uri="{FF2B5EF4-FFF2-40B4-BE49-F238E27FC236}">
+                <a16:creationId xmlns:a16="http://schemas.microsoft.com/office/drawing/2014/main" id="{E91BCB11-4861-5221-054E-20D5A29DE650}"/>
+              </a:ext>
+            </a:extLst>
+          </p:cNvPr>
+          <p:cNvSpPr>
+            <a:spLocks noGrp="1" noRot="1" noChangeAspect="1"/>
+          </p:cNvSpPr>
+          <p:nvPr>
+            <p:ph type="sldImg"/>
+          </p:nvPr>
+        </p:nvSpPr>
+        <p:spPr/>
+      </p:sp>
+      <p:sp>
+        <p:nvSpPr>
+          <p:cNvPr id="3" name="Espaço Reservado para Notas 2">
+            <a:extLst>
+              <a:ext uri="{FF2B5EF4-FFF2-40B4-BE49-F238E27FC236}">
+                <a16:creationId xmlns:a16="http://schemas.microsoft.com/office/drawing/2014/main" id="{B3D8B18F-7E65-B8A9-51B3-6BA5103699A7}"/>
+              </a:ext>
+            </a:extLst>
+          </p:cNvPr>
+          <p:cNvSpPr>
+            <a:spLocks noGrp="1"/>
+          </p:cNvSpPr>
+          <p:nvPr>
+            <p:ph type="body" idx="1"/>
+          </p:nvPr>
+        </p:nvSpPr>
+        <p:spPr/>
+        <p:txBody>
+          <a:bodyPr rtlCol="0"/>
+          <a:lstStyle>
+            <a:defPPr>
+              <a:defRPr lang="pt-BR"/>
+            </a:defPPr>
+          </a:lstStyle>
+          <a:p>
+            <a:pPr rtl="0"/>
+            <a:endParaRPr lang="pt-BR" dirty="0"/>
+          </a:p>
+        </p:txBody>
+      </p:sp>
+      <p:sp>
+        <p:nvSpPr>
+          <p:cNvPr id="4" name="Espaço Reservado para o Número do Slide 3">
+            <a:extLst>
+              <a:ext uri="{FF2B5EF4-FFF2-40B4-BE49-F238E27FC236}">
+                <a16:creationId xmlns:a16="http://schemas.microsoft.com/office/drawing/2014/main" id="{1A992F56-ACB6-BEE3-38AA-65EE72744513}"/>
+              </a:ext>
+            </a:extLst>
+          </p:cNvPr>
+          <p:cNvSpPr>
+            <a:spLocks noGrp="1"/>
+          </p:cNvSpPr>
+          <p:nvPr>
+            <p:ph type="sldNum" sz="quarter" idx="5"/>
+          </p:nvPr>
+        </p:nvSpPr>
+        <p:spPr/>
+        <p:txBody>
+          <a:bodyPr rtlCol="0"/>
+          <a:lstStyle>
+            <a:defPPr>
+              <a:defRPr lang="pt-BR"/>
+            </a:defPPr>
+          </a:lstStyle>
+          <a:p>
+            <a:pPr rtl="0"/>
+            <a:fld id="{A89C7E07-3C67-C64C-8DA0-0404F6303970}" type="slidenum">
+              <a:rPr lang="pt-BR" smtClean="0"/>
+              <a:t>15</a:t>
+            </a:fld>
+            <a:endParaRPr lang="pt-BR" dirty="0"/>
+          </a:p>
+        </p:txBody>
+      </p:sp>
+    </p:spTree>
+    <p:extLst>
+      <p:ext uri="{BB962C8B-B14F-4D97-AF65-F5344CB8AC3E}">
+        <p14:creationId xmlns:p14="http://schemas.microsoft.com/office/powerpoint/2010/main" val="1048759636"/>
+      </p:ext>
+    </p:extLst>
+  </p:cSld>
+  <p:clrMapOvr>
+    <a:masterClrMapping/>
+  </p:clrMapOvr>
+</p:notes>
+</file>
+
+<file path=ppt/notesSlides/notesSlide16.xml><?xml version="1.0" encoding="utf-8"?>
 <p:notes xmlns:a="http://schemas.openxmlformats.org/drawingml/2006/main" xmlns:r="http://schemas.openxmlformats.org/officeDocument/2006/relationships" xmlns:p="http://schemas.openxmlformats.org/presentationml/2006/main">
   <p:cSld>
     <p:spTree>
@@ -1247,101 +1484,7 @@
             <a:pPr rtl="0"/>
             <a:fld id="{A89C7E07-3C67-C64C-8DA0-0404F6303970}" type="slidenum">
               <a:rPr lang="pt-BR" smtClean="0"/>
-              <a:t>14</a:t>
-            </a:fld>
-            <a:endParaRPr lang="pt-BR" dirty="0"/>
-          </a:p>
-        </p:txBody>
-      </p:sp>
-    </p:spTree>
-    <p:extLst>
-      <p:ext uri="{BB962C8B-B14F-4D97-AF65-F5344CB8AC3E}">
-        <p14:creationId xmlns:p14="http://schemas.microsoft.com/office/powerpoint/2010/main" val="4050233131"/>
-      </p:ext>
-    </p:extLst>
-  </p:cSld>
-  <p:clrMapOvr>
-    <a:masterClrMapping/>
-  </p:clrMapOvr>
-</p:notes>
-</file>
-
-<file path=ppt/notesSlides/notesSlide15.xml><?xml version="1.0" encoding="utf-8"?>
-<p:notes xmlns:a="http://schemas.openxmlformats.org/drawingml/2006/main" xmlns:r="http://schemas.openxmlformats.org/officeDocument/2006/relationships" xmlns:p="http://schemas.openxmlformats.org/presentationml/2006/main">
-  <p:cSld>
-    <p:spTree>
-      <p:nvGrpSpPr>
-        <p:cNvPr id="1" name=""/>
-        <p:cNvGrpSpPr/>
-        <p:nvPr/>
-      </p:nvGrpSpPr>
-      <p:grpSpPr>
-        <a:xfrm>
-          <a:off x="0" y="0"/>
-          <a:ext cx="0" cy="0"/>
-          <a:chOff x="0" y="0"/>
-          <a:chExt cx="0" cy="0"/>
-        </a:xfrm>
-      </p:grpSpPr>
-      <p:sp>
-        <p:nvSpPr>
-          <p:cNvPr id="2" name="Espaço Reservado para Imagem do Slide 1"/>
-          <p:cNvSpPr>
-            <a:spLocks noGrp="1" noRot="1" noChangeAspect="1"/>
-          </p:cNvSpPr>
-          <p:nvPr>
-            <p:ph type="sldImg"/>
-          </p:nvPr>
-        </p:nvSpPr>
-        <p:spPr/>
-      </p:sp>
-      <p:sp>
-        <p:nvSpPr>
-          <p:cNvPr id="3" name="Espaço Reservado para Notas 2"/>
-          <p:cNvSpPr>
-            <a:spLocks noGrp="1"/>
-          </p:cNvSpPr>
-          <p:nvPr>
-            <p:ph type="body" idx="1"/>
-          </p:nvPr>
-        </p:nvSpPr>
-        <p:spPr/>
-        <p:txBody>
-          <a:bodyPr rtlCol="0"/>
-          <a:lstStyle>
-            <a:defPPr>
-              <a:defRPr lang="pt-BR"/>
-            </a:defPPr>
-          </a:lstStyle>
-          <a:p>
-            <a:pPr rtl="0"/>
-            <a:endParaRPr lang="pt-BR" dirty="0"/>
-          </a:p>
-        </p:txBody>
-      </p:sp>
-      <p:sp>
-        <p:nvSpPr>
-          <p:cNvPr id="4" name="Espaço Reservado para o Número do Slide 3"/>
-          <p:cNvSpPr>
-            <a:spLocks noGrp="1"/>
-          </p:cNvSpPr>
-          <p:nvPr>
-            <p:ph type="sldNum" sz="quarter" idx="5"/>
-          </p:nvPr>
-        </p:nvSpPr>
-        <p:spPr/>
-        <p:txBody>
-          <a:bodyPr rtlCol="0"/>
-          <a:lstStyle>
-            <a:defPPr>
-              <a:defRPr lang="pt-BR"/>
-            </a:defPPr>
-          </a:lstStyle>
-          <a:p>
-            <a:pPr rtl="0"/>
-            <a:fld id="{A89C7E07-3C67-C64C-8DA0-0404F6303970}" type="slidenum">
-              <a:rPr lang="pt-BR" smtClean="0"/>
-              <a:t>15</a:t>
+              <a:t>16</a:t>
             </a:fld>
             <a:endParaRPr lang="pt-BR" dirty="0"/>
           </a:p>
@@ -10862,12 +11005,8 @@
           <a:p>
             <a:pPr rtl="0"/>
             <a:r>
-              <a:rPr lang="pt-BR" dirty="0"/>
-              <a:t>Resultados de </a:t>
-            </a:r>
-            <a:r>
               <a:rPr lang="pt-BR" dirty="0" err="1"/>
-              <a:t>segmentación</a:t>
+              <a:t>Segmentación</a:t>
             </a:r>
             <a:endParaRPr lang="pt-BR" dirty="0"/>
           </a:p>
@@ -11216,8 +11355,8 @@
         </p:blipFill>
         <p:spPr>
           <a:xfrm>
-            <a:off x="3988469" y="2625986"/>
-            <a:ext cx="3673110" cy="4119418"/>
+            <a:off x="1179095" y="3328083"/>
+            <a:ext cx="3673110" cy="3400625"/>
           </a:xfrm>
           <a:prstGeom prst="rect">
             <a:avLst/>
@@ -11239,7 +11378,7 @@
         <p:spPr>
           <a:xfrm>
             <a:off x="247179" y="2625986"/>
-            <a:ext cx="3673110" cy="1477328"/>
+            <a:ext cx="6177684" cy="861774"/>
           </a:xfrm>
           <a:prstGeom prst="rect">
             <a:avLst/>
@@ -11253,7 +11392,7 @@
           <a:lstStyle/>
           <a:p>
             <a:r>
-              <a:rPr lang="es-ES" dirty="0">
+              <a:rPr lang="es-ES" sz="1600" dirty="0">
                 <a:solidFill>
                   <a:schemeClr val="bg1"/>
                 </a:solidFill>
@@ -11288,7 +11427,7 @@
         </p:blipFill>
         <p:spPr>
           <a:xfrm>
-            <a:off x="9562241" y="1206482"/>
+            <a:off x="8118828" y="2868105"/>
             <a:ext cx="2263276" cy="1287410"/>
           </a:xfrm>
           <a:prstGeom prst="rect">
@@ -11318,7 +11457,7 @@
         </p:blipFill>
         <p:spPr>
           <a:xfrm>
-            <a:off x="9309490" y="2604829"/>
+            <a:off x="6500116" y="4254240"/>
             <a:ext cx="2263276" cy="1314161"/>
           </a:xfrm>
           <a:prstGeom prst="rect">
@@ -11348,7 +11487,7 @@
         </p:blipFill>
         <p:spPr>
           <a:xfrm>
-            <a:off x="9888510" y="4029927"/>
+            <a:off x="9912573" y="4258527"/>
             <a:ext cx="1937007" cy="1166943"/>
           </a:xfrm>
           <a:prstGeom prst="rect">
@@ -11370,7 +11509,7 @@
         </p:nvSpPr>
         <p:spPr>
           <a:xfrm>
-            <a:off x="9386076" y="506543"/>
+            <a:off x="8113365" y="2291164"/>
             <a:ext cx="1992056" cy="369332"/>
           </a:xfrm>
           <a:prstGeom prst="rect">
@@ -11418,7 +11557,7 @@
         </p:blipFill>
         <p:spPr>
           <a:xfrm>
-            <a:off x="8222523" y="5642167"/>
+            <a:off x="7194758" y="5919350"/>
             <a:ext cx="3829270" cy="709290"/>
           </a:xfrm>
           <a:prstGeom prst="rect">
@@ -11458,243 +11597,6 @@
       </p:grpSpPr>
       <p:sp>
         <p:nvSpPr>
-          <p:cNvPr id="2" name="Título 1">
-            <a:extLst>
-              <a:ext uri="{FF2B5EF4-FFF2-40B4-BE49-F238E27FC236}">
-                <a16:creationId xmlns:a16="http://schemas.microsoft.com/office/drawing/2014/main" id="{F0759DC4-8B30-98A0-5BAB-C78BA4A4AD55}"/>
-              </a:ext>
-            </a:extLst>
-          </p:cNvPr>
-          <p:cNvSpPr>
-            <a:spLocks noGrp="1"/>
-          </p:cNvSpPr>
-          <p:nvPr>
-            <p:ph type="title"/>
-          </p:nvPr>
-        </p:nvSpPr>
-        <p:spPr>
-          <a:xfrm>
-            <a:off x="594360" y="198408"/>
-            <a:ext cx="10972800" cy="1574317"/>
-          </a:xfrm>
-        </p:spPr>
-        <p:txBody>
-          <a:bodyPr rtlCol="0"/>
-          <a:lstStyle>
-            <a:defPPr>
-              <a:defRPr lang="pt-BR"/>
-            </a:defPPr>
-          </a:lstStyle>
-          <a:p>
-            <a:r>
-              <a:rPr lang="pt-BR" b="1" dirty="0"/>
-              <a:t>Resultados de </a:t>
-            </a:r>
-            <a:r>
-              <a:rPr lang="pt-BR" b="1" dirty="0" err="1"/>
-              <a:t>la</a:t>
-            </a:r>
-            <a:r>
-              <a:rPr lang="pt-BR" b="1" dirty="0"/>
-              <a:t> </a:t>
-            </a:r>
-            <a:r>
-              <a:rPr lang="pt-BR" b="1" dirty="0" err="1"/>
-              <a:t>segmentación</a:t>
-            </a:r>
-            <a:endParaRPr lang="pt-BR" b="1" dirty="0"/>
-          </a:p>
-        </p:txBody>
-      </p:sp>
-      <p:sp>
-        <p:nvSpPr>
-          <p:cNvPr id="3" name="Espaço Reservado para Conteúdo 2">
-            <a:extLst>
-              <a:ext uri="{FF2B5EF4-FFF2-40B4-BE49-F238E27FC236}">
-                <a16:creationId xmlns:a16="http://schemas.microsoft.com/office/drawing/2014/main" id="{4096FB3A-B62C-3DAB-4FD1-B4EBDD650AEF}"/>
-              </a:ext>
-            </a:extLst>
-          </p:cNvPr>
-          <p:cNvSpPr>
-            <a:spLocks noGrp="1"/>
-          </p:cNvSpPr>
-          <p:nvPr>
-            <p:ph sz="quarter" idx="13"/>
-          </p:nvPr>
-        </p:nvSpPr>
-        <p:spPr>
-          <a:xfrm>
-            <a:off x="595523" y="2676525"/>
-            <a:ext cx="5746750" cy="3597470"/>
-          </a:xfrm>
-        </p:spPr>
-        <p:txBody>
-          <a:bodyPr rtlCol="0"/>
-          <a:lstStyle>
-            <a:defPPr>
-              <a:defRPr lang="pt-BR"/>
-            </a:defPPr>
-          </a:lstStyle>
-          <a:p>
-            <a:pPr rtl="0"/>
-            <a:r>
-              <a:rPr lang="pt-BR" dirty="0"/>
-              <a:t>Prática consistente</a:t>
-            </a:r>
-          </a:p>
-          <a:p>
-            <a:pPr lvl="1" rtl="0"/>
-            <a:r>
-              <a:rPr lang="pt-BR" dirty="0"/>
-              <a:t>Fortaleça sua familiaridade</a:t>
-            </a:r>
-          </a:p>
-          <a:p>
-            <a:pPr rtl="0"/>
-            <a:r>
-              <a:rPr lang="pt-BR" dirty="0"/>
-              <a:t>Refine o estilo da apresentação</a:t>
-            </a:r>
-          </a:p>
-          <a:p>
-            <a:pPr lvl="1" rtl="0"/>
-            <a:r>
-              <a:rPr lang="pt-BR" dirty="0"/>
-              <a:t>Ritmo, tom e ênfase</a:t>
-            </a:r>
-          </a:p>
-          <a:p>
-            <a:pPr rtl="0"/>
-            <a:r>
-              <a:rPr lang="pt-BR" dirty="0"/>
-              <a:t>Intervalo e transições</a:t>
-            </a:r>
-          </a:p>
-          <a:p>
-            <a:pPr lvl="1" rtl="0"/>
-            <a:r>
-              <a:rPr lang="pt-BR" dirty="0"/>
-              <a:t>Procure fazer uma apresentação perfeita e profissional</a:t>
-            </a:r>
-          </a:p>
-          <a:p>
-            <a:pPr rtl="0"/>
-            <a:r>
-              <a:rPr lang="pt-BR" dirty="0"/>
-              <a:t>Pratique na frente de um público</a:t>
-            </a:r>
-          </a:p>
-          <a:p>
-            <a:pPr lvl="1" rtl="0"/>
-            <a:r>
-              <a:rPr lang="pt-BR" dirty="0"/>
-              <a:t>Peça a colegas para ouvir e dar feedback</a:t>
-            </a:r>
-          </a:p>
-          <a:p>
-            <a:pPr lvl="1" rtl="0"/>
-            <a:endParaRPr lang="pt-BR" dirty="0"/>
-          </a:p>
-        </p:txBody>
-      </p:sp>
-      <p:sp>
-        <p:nvSpPr>
-          <p:cNvPr id="4" name="Espaço Reservado para Conteúdo 3">
-            <a:extLst>
-              <a:ext uri="{FF2B5EF4-FFF2-40B4-BE49-F238E27FC236}">
-                <a16:creationId xmlns:a16="http://schemas.microsoft.com/office/drawing/2014/main" id="{43E198AA-251D-4446-30C4-8F2FA7F6A72C}"/>
-              </a:ext>
-            </a:extLst>
-          </p:cNvPr>
-          <p:cNvSpPr>
-            <a:spLocks noGrp="1"/>
-          </p:cNvSpPr>
-          <p:nvPr>
-            <p:ph sz="quarter" idx="14"/>
-          </p:nvPr>
-        </p:nvSpPr>
-        <p:spPr>
-          <a:xfrm>
-            <a:off x="7620000" y="2676525"/>
-            <a:ext cx="3947160" cy="3597470"/>
-          </a:xfrm>
-        </p:spPr>
-        <p:txBody>
-          <a:bodyPr rtlCol="0"/>
-          <a:lstStyle>
-            <a:defPPr>
-              <a:defRPr lang="pt-BR"/>
-            </a:defPPr>
-          </a:lstStyle>
-          <a:p>
-            <a:pPr rtl="0"/>
-            <a:r>
-              <a:rPr lang="pt-BR" dirty="0"/>
-              <a:t>Busque feedback</a:t>
-            </a:r>
-          </a:p>
-          <a:p>
-            <a:pPr rtl="0"/>
-            <a:r>
-              <a:rPr lang="pt-BR" dirty="0"/>
-              <a:t>Reflita sobre o desempenho</a:t>
-            </a:r>
-          </a:p>
-          <a:p>
-            <a:pPr rtl="0"/>
-            <a:r>
-              <a:rPr lang="pt-BR" dirty="0"/>
-              <a:t>Explore novas técnicas</a:t>
-            </a:r>
-          </a:p>
-          <a:p>
-            <a:pPr rtl="0"/>
-            <a:r>
-              <a:rPr lang="pt-BR" dirty="0"/>
-              <a:t>Defina metas pessoais</a:t>
-            </a:r>
-          </a:p>
-          <a:p>
-            <a:pPr rtl="0"/>
-            <a:r>
-              <a:rPr lang="pt-BR" dirty="0"/>
-              <a:t>Itere e adapte</a:t>
-            </a:r>
-          </a:p>
-        </p:txBody>
-      </p:sp>
-    </p:spTree>
-    <p:extLst>
-      <p:ext uri="{BB962C8B-B14F-4D97-AF65-F5344CB8AC3E}">
-        <p14:creationId xmlns:p14="http://schemas.microsoft.com/office/powerpoint/2010/main" val="1850768898"/>
-      </p:ext>
-    </p:extLst>
-  </p:cSld>
-  <p:clrMapOvr>
-    <a:masterClrMapping/>
-  </p:clrMapOvr>
-</p:sld>
-</file>
-
-<file path=ppt/slides/slide14.xml><?xml version="1.0" encoding="utf-8"?>
-<p:sld xmlns:a="http://schemas.openxmlformats.org/drawingml/2006/main" xmlns:r="http://schemas.openxmlformats.org/officeDocument/2006/relationships" xmlns:p="http://schemas.openxmlformats.org/presentationml/2006/main">
-  <p:cSld>
-    <p:spTree>
-      <p:nvGrpSpPr>
-        <p:cNvPr id="1" name=""/>
-        <p:cNvGrpSpPr/>
-        <p:nvPr/>
-      </p:nvGrpSpPr>
-      <p:grpSpPr>
-        <a:xfrm>
-          <a:off x="0" y="0"/>
-          <a:ext cx="0" cy="0"/>
-          <a:chOff x="0" y="0"/>
-          <a:chExt cx="0" cy="0"/>
-        </a:xfrm>
-      </p:grpSpPr>
-      <p:sp>
-        <p:nvSpPr>
           <p:cNvPr id="6" name="Título 5">
             <a:extLst>
               <a:ext uri="{FF2B5EF4-FFF2-40B4-BE49-F238E27FC236}">
@@ -11760,7 +11662,7 @@
             <p:ph sz="quarter" idx="13"/>
             <p:extLst>
               <p:ext uri="{D42A27DB-BD31-4B8C-83A1-F6EECF244321}">
-                <p14:modId xmlns:p14="http://schemas.microsoft.com/office/powerpoint/2010/main" val="1567682587"/>
+                <p14:modId xmlns:p14="http://schemas.microsoft.com/office/powerpoint/2010/main" val="1448659949"/>
               </p:ext>
             </p:extLst>
           </p:nvPr>
@@ -12506,7 +12408,779 @@
 </p:sld>
 </file>
 
+<file path=ppt/slides/slide14.xml><?xml version="1.0" encoding="utf-8"?>
+<p:sld xmlns:a="http://schemas.openxmlformats.org/drawingml/2006/main" xmlns:r="http://schemas.openxmlformats.org/officeDocument/2006/relationships" xmlns:p="http://schemas.openxmlformats.org/presentationml/2006/main">
+  <p:cSld>
+    <p:spTree>
+      <p:nvGrpSpPr>
+        <p:cNvPr id="1" name="">
+          <a:extLst>
+            <a:ext uri="{FF2B5EF4-FFF2-40B4-BE49-F238E27FC236}">
+              <a16:creationId xmlns:a16="http://schemas.microsoft.com/office/drawing/2014/main" id="{07790A89-A084-8A7A-CE89-A81D51927D4E}"/>
+            </a:ext>
+          </a:extLst>
+        </p:cNvPr>
+        <p:cNvGrpSpPr/>
+        <p:nvPr/>
+      </p:nvGrpSpPr>
+      <p:grpSpPr>
+        <a:xfrm>
+          <a:off x="0" y="0"/>
+          <a:ext cx="0" cy="0"/>
+          <a:chOff x="0" y="0"/>
+          <a:chExt cx="0" cy="0"/>
+        </a:xfrm>
+      </p:grpSpPr>
+      <p:sp>
+        <p:nvSpPr>
+          <p:cNvPr id="3" name="Título 2">
+            <a:extLst>
+              <a:ext uri="{FF2B5EF4-FFF2-40B4-BE49-F238E27FC236}">
+                <a16:creationId xmlns:a16="http://schemas.microsoft.com/office/drawing/2014/main" id="{BD4E3CAD-35E6-D432-A40E-7D31A58CFA85}"/>
+              </a:ext>
+            </a:extLst>
+          </p:cNvPr>
+          <p:cNvSpPr>
+            <a:spLocks noGrp="1"/>
+          </p:cNvSpPr>
+          <p:nvPr>
+            <p:ph type="title"/>
+          </p:nvPr>
+        </p:nvSpPr>
+        <p:spPr>
+          <a:xfrm>
+            <a:off x="594360" y="102875"/>
+            <a:ext cx="10873740" cy="1680205"/>
+          </a:xfrm>
+        </p:spPr>
+        <p:txBody>
+          <a:bodyPr rtlCol="0"/>
+          <a:lstStyle>
+            <a:defPPr>
+              <a:defRPr lang="pt-BR"/>
+            </a:defPPr>
+          </a:lstStyle>
+          <a:p>
+            <a:pPr rtl="0"/>
+            <a:r>
+              <a:rPr lang="pt-BR" dirty="0" err="1"/>
+              <a:t>Solución</a:t>
+            </a:r>
+            <a:r>
+              <a:rPr lang="pt-BR" dirty="0"/>
+              <a:t> Final</a:t>
+            </a:r>
+          </a:p>
+        </p:txBody>
+      </p:sp>
+      <p:sp>
+        <p:nvSpPr>
+          <p:cNvPr id="7" name="Espaço Reservado para Texto 6">
+            <a:extLst>
+              <a:ext uri="{FF2B5EF4-FFF2-40B4-BE49-F238E27FC236}">
+                <a16:creationId xmlns:a16="http://schemas.microsoft.com/office/drawing/2014/main" id="{C70A18BC-4F43-5180-853A-E3CB1FA36AEB}"/>
+              </a:ext>
+            </a:extLst>
+          </p:cNvPr>
+          <p:cNvSpPr>
+            <a:spLocks noGrp="1"/>
+          </p:cNvSpPr>
+          <p:nvPr>
+            <p:ph sz="quarter" idx="13"/>
+          </p:nvPr>
+        </p:nvSpPr>
+        <p:spPr>
+          <a:xfrm>
+            <a:off x="3263365" y="2492944"/>
+            <a:ext cx="8204735" cy="2048977"/>
+          </a:xfrm>
+        </p:spPr>
+        <p:txBody>
+          <a:bodyPr rtlCol="0">
+            <a:normAutofit/>
+          </a:bodyPr>
+          <a:lstStyle>
+            <a:defPPr>
+              <a:defRPr lang="pt-BR"/>
+            </a:defPPr>
+          </a:lstStyle>
+          <a:p>
+            <a:pPr rtl="0"/>
+            <a:r>
+              <a:rPr lang="es-ES" dirty="0"/>
+              <a:t>Algoritmo dinámico para agrupar vendedores a través de su perfil de ventas, e incluso puede realizar análisis de movimiento entre grupos;</a:t>
+            </a:r>
+          </a:p>
+          <a:p>
+            <a:pPr rtl="0"/>
+            <a:r>
+              <a:rPr lang="es-ES" dirty="0"/>
+              <a:t>Utilizar los resultados de algoritmos para generar valor a través del diseño de campañas dirigidas a cada grupo</a:t>
+            </a:r>
+            <a:endParaRPr lang="pt-BR" dirty="0"/>
+          </a:p>
+        </p:txBody>
+      </p:sp>
+      <p:grpSp>
+        <p:nvGrpSpPr>
+          <p:cNvPr id="19" name="Grupo 18">
+            <a:extLst>
+              <a:ext uri="{FF2B5EF4-FFF2-40B4-BE49-F238E27FC236}">
+                <a16:creationId xmlns:a16="http://schemas.microsoft.com/office/drawing/2014/main" id="{6D511715-2FEA-B4E1-05F2-E625C54CD92E}"/>
+              </a:ext>
+              <a:ext uri="{C183D7F6-B498-43B3-948B-1728B52AA6E4}">
+                <adec:decorative xmlns:adec="http://schemas.microsoft.com/office/drawing/2017/decorative" val="1"/>
+              </a:ext>
+            </a:extLst>
+          </p:cNvPr>
+          <p:cNvGrpSpPr>
+            <a:grpSpLocks/>
+          </p:cNvGrpSpPr>
+          <p:nvPr/>
+        </p:nvGrpSpPr>
+        <p:grpSpPr bwMode="auto">
+          <a:xfrm rot="16200000" flipV="1">
+            <a:off x="0" y="3900132"/>
+            <a:ext cx="2959226" cy="2959226"/>
+            <a:chOff x="0" y="12289"/>
+            <a:chExt cx="3550" cy="3551"/>
+          </a:xfrm>
+        </p:grpSpPr>
+        <p:sp>
+          <p:nvSpPr>
+            <p:cNvPr id="20" name="Forma Livre 19">
+              <a:extLst>
+                <a:ext uri="{FF2B5EF4-FFF2-40B4-BE49-F238E27FC236}">
+                  <a16:creationId xmlns:a16="http://schemas.microsoft.com/office/drawing/2014/main" id="{CC03D77D-EF78-2F84-CA1F-FD830F5627B0}"/>
+                </a:ext>
+              </a:extLst>
+            </p:cNvPr>
+            <p:cNvSpPr>
+              <a:spLocks/>
+            </p:cNvSpPr>
+            <p:nvPr/>
+          </p:nvSpPr>
+          <p:spPr bwMode="auto">
+            <a:xfrm>
+              <a:off x="0" y="12289"/>
+              <a:ext cx="1789" cy="2386"/>
+            </a:xfrm>
+            <a:custGeom>
+              <a:avLst/>
+              <a:gdLst>
+                <a:gd name="T0" fmla="*/ 0 w 1789"/>
+                <a:gd name="T1" fmla="+- 0 12290 12290"/>
+                <a:gd name="T2" fmla="*/ 12290 h 2386"/>
+                <a:gd name="T3" fmla="*/ 0 w 1789"/>
+                <a:gd name="T4" fmla="+- 0 13484 12290"/>
+                <a:gd name="T5" fmla="*/ 13484 h 2386"/>
+                <a:gd name="T6" fmla="*/ 1192 w 1789"/>
+                <a:gd name="T7" fmla="+- 0 14676 12290"/>
+                <a:gd name="T8" fmla="*/ 14676 h 2386"/>
+                <a:gd name="T9" fmla="*/ 1789 w 1789"/>
+                <a:gd name="T10" fmla="+- 0 14079 12290"/>
+                <a:gd name="T11" fmla="*/ 14079 h 2386"/>
+                <a:gd name="T12" fmla="*/ 0 w 1789"/>
+                <a:gd name="T13" fmla="+- 0 12290 12290"/>
+                <a:gd name="T14" fmla="*/ 12290 h 2386"/>
+              </a:gdLst>
+              <a:ahLst/>
+              <a:cxnLst>
+                <a:cxn ang="0">
+                  <a:pos x="T0" y="T2"/>
+                </a:cxn>
+                <a:cxn ang="0">
+                  <a:pos x="T3" y="T5"/>
+                </a:cxn>
+                <a:cxn ang="0">
+                  <a:pos x="T6" y="T8"/>
+                </a:cxn>
+                <a:cxn ang="0">
+                  <a:pos x="T9" y="T11"/>
+                </a:cxn>
+                <a:cxn ang="0">
+                  <a:pos x="T12" y="T14"/>
+                </a:cxn>
+              </a:cxnLst>
+              <a:rect l="0" t="0" r="r" b="b"/>
+              <a:pathLst>
+                <a:path w="1789" h="2386">
+                  <a:moveTo>
+                    <a:pt x="0" y="0"/>
+                  </a:moveTo>
+                  <a:lnTo>
+                    <a:pt x="0" y="1194"/>
+                  </a:lnTo>
+                  <a:lnTo>
+                    <a:pt x="1192" y="2386"/>
+                  </a:lnTo>
+                  <a:lnTo>
+                    <a:pt x="1789" y="1789"/>
+                  </a:lnTo>
+                  <a:lnTo>
+                    <a:pt x="0" y="0"/>
+                  </a:lnTo>
+                  <a:close/>
+                </a:path>
+              </a:pathLst>
+            </a:custGeom>
+            <a:solidFill>
+              <a:schemeClr val="accent6"/>
+            </a:solidFill>
+            <a:ln>
+              <a:noFill/>
+            </a:ln>
+            <a:extLst>
+              <a:ext uri="{91240B29-F687-4F45-9708-019B960494DF}">
+                <a14:hiddenLine xmlns:a14="http://schemas.microsoft.com/office/drawing/2010/main" w="9525">
+                  <a:solidFill>
+                    <a:srgbClr val="000000"/>
+                  </a:solidFill>
+                  <a:round/>
+                  <a:headEnd/>
+                  <a:tailEnd/>
+                </a14:hiddenLine>
+              </a:ext>
+            </a:extLst>
+          </p:spPr>
+          <p:txBody>
+            <a:bodyPr rot="0" vert="horz" wrap="square" lIns="91440" tIns="45720" rIns="91440" bIns="45720" rtlCol="0" anchor="t" anchorCtr="0" upright="1">
+              <a:noAutofit/>
+            </a:bodyPr>
+            <a:lstStyle>
+              <a:defPPr>
+                <a:defRPr lang="pt-BR"/>
+              </a:defPPr>
+            </a:lstStyle>
+            <a:p>
+              <a:pPr rtl="0"/>
+              <a:endParaRPr lang="pt-BR" dirty="0"/>
+            </a:p>
+          </p:txBody>
+        </p:sp>
+        <p:sp>
+          <p:nvSpPr>
+            <p:cNvPr id="21" name="Forma Livre 20">
+              <a:extLst>
+                <a:ext uri="{FF2B5EF4-FFF2-40B4-BE49-F238E27FC236}">
+                  <a16:creationId xmlns:a16="http://schemas.microsoft.com/office/drawing/2014/main" id="{76077BDB-49B2-EA69-75E0-5D956E2EDE2C}"/>
+                </a:ext>
+              </a:extLst>
+            </p:cNvPr>
+            <p:cNvSpPr>
+              <a:spLocks/>
+            </p:cNvSpPr>
+            <p:nvPr/>
+          </p:nvSpPr>
+          <p:spPr bwMode="auto">
+            <a:xfrm>
+              <a:off x="0" y="14678"/>
+              <a:ext cx="1162" cy="1162"/>
+            </a:xfrm>
+            <a:custGeom>
+              <a:avLst/>
+              <a:gdLst>
+                <a:gd name="T0" fmla="*/ 0 w 1162"/>
+                <a:gd name="T1" fmla="+- 0 14679 14679"/>
+                <a:gd name="T2" fmla="*/ 14679 h 1162"/>
+                <a:gd name="T3" fmla="*/ 0 w 1162"/>
+                <a:gd name="T4" fmla="+- 0 15840 14679"/>
+                <a:gd name="T5" fmla="*/ 15840 h 1162"/>
+                <a:gd name="T6" fmla="*/ 1161 w 1162"/>
+                <a:gd name="T7" fmla="+- 0 15840 14679"/>
+                <a:gd name="T8" fmla="*/ 15840 h 1162"/>
+                <a:gd name="T9" fmla="*/ 0 w 1162"/>
+                <a:gd name="T10" fmla="+- 0 14679 14679"/>
+                <a:gd name="T11" fmla="*/ 14679 h 1162"/>
+              </a:gdLst>
+              <a:ahLst/>
+              <a:cxnLst>
+                <a:cxn ang="0">
+                  <a:pos x="T0" y="T2"/>
+                </a:cxn>
+                <a:cxn ang="0">
+                  <a:pos x="T3" y="T5"/>
+                </a:cxn>
+                <a:cxn ang="0">
+                  <a:pos x="T6" y="T8"/>
+                </a:cxn>
+                <a:cxn ang="0">
+                  <a:pos x="T9" y="T11"/>
+                </a:cxn>
+              </a:cxnLst>
+              <a:rect l="0" t="0" r="r" b="b"/>
+              <a:pathLst>
+                <a:path w="1162" h="1162">
+                  <a:moveTo>
+                    <a:pt x="0" y="0"/>
+                  </a:moveTo>
+                  <a:lnTo>
+                    <a:pt x="0" y="1161"/>
+                  </a:lnTo>
+                  <a:lnTo>
+                    <a:pt x="1161" y="1161"/>
+                  </a:lnTo>
+                  <a:lnTo>
+                    <a:pt x="0" y="0"/>
+                  </a:lnTo>
+                  <a:close/>
+                </a:path>
+              </a:pathLst>
+            </a:custGeom>
+            <a:solidFill>
+              <a:schemeClr val="tx2"/>
+            </a:solidFill>
+            <a:ln>
+              <a:noFill/>
+            </a:ln>
+            <a:extLst>
+              <a:ext uri="{91240B29-F687-4F45-9708-019B960494DF}">
+                <a14:hiddenLine xmlns:a14="http://schemas.microsoft.com/office/drawing/2010/main" w="9525">
+                  <a:solidFill>
+                    <a:srgbClr val="000000"/>
+                  </a:solidFill>
+                  <a:round/>
+                  <a:headEnd/>
+                  <a:tailEnd/>
+                </a14:hiddenLine>
+              </a:ext>
+            </a:extLst>
+          </p:spPr>
+          <p:txBody>
+            <a:bodyPr rot="0" vert="horz" wrap="square" lIns="91440" tIns="45720" rIns="91440" bIns="45720" rtlCol="0" anchor="t" anchorCtr="0" upright="1">
+              <a:noAutofit/>
+            </a:bodyPr>
+            <a:lstStyle>
+              <a:defPPr>
+                <a:defRPr lang="pt-BR"/>
+              </a:defPPr>
+            </a:lstStyle>
+            <a:p>
+              <a:pPr rtl="0"/>
+              <a:endParaRPr lang="pt-BR" dirty="0"/>
+            </a:p>
+          </p:txBody>
+        </p:sp>
+        <p:sp>
+          <p:nvSpPr>
+            <p:cNvPr id="22" name="Forma Livre 21">
+              <a:extLst>
+                <a:ext uri="{FF2B5EF4-FFF2-40B4-BE49-F238E27FC236}">
+                  <a16:creationId xmlns:a16="http://schemas.microsoft.com/office/drawing/2014/main" id="{F1C9AC1B-631A-AE35-F5BF-829262A5AEB4}"/>
+                </a:ext>
+              </a:extLst>
+            </p:cNvPr>
+            <p:cNvSpPr>
+              <a:spLocks/>
+            </p:cNvSpPr>
+            <p:nvPr/>
+          </p:nvSpPr>
+          <p:spPr bwMode="auto">
+            <a:xfrm>
+              <a:off x="1221" y="14675"/>
+              <a:ext cx="2329" cy="1165"/>
+            </a:xfrm>
+            <a:custGeom>
+              <a:avLst/>
+              <a:gdLst>
+                <a:gd name="T0" fmla="+- 0 3550 1221"/>
+                <a:gd name="T1" fmla="*/ T0 w 2329"/>
+                <a:gd name="T2" fmla="+- 0 15840 14676"/>
+                <a:gd name="T3" fmla="*/ 15840 h 1165"/>
+                <a:gd name="T4" fmla="+- 0 2386 1221"/>
+                <a:gd name="T5" fmla="*/ T4 w 2329"/>
+                <a:gd name="T6" fmla="+- 0 14676 14676"/>
+                <a:gd name="T7" fmla="*/ 14676 h 1165"/>
+                <a:gd name="T8" fmla="+- 0 1221 1221"/>
+                <a:gd name="T9" fmla="*/ T8 w 2329"/>
+                <a:gd name="T10" fmla="+- 0 15840 14676"/>
+                <a:gd name="T11" fmla="*/ 15840 h 1165"/>
+                <a:gd name="T12" fmla="+- 0 3550 1221"/>
+                <a:gd name="T13" fmla="*/ T12 w 2329"/>
+                <a:gd name="T14" fmla="+- 0 15840 14676"/>
+                <a:gd name="T15" fmla="*/ 15840 h 1165"/>
+              </a:gdLst>
+              <a:ahLst/>
+              <a:cxnLst>
+                <a:cxn ang="0">
+                  <a:pos x="T1" y="T3"/>
+                </a:cxn>
+                <a:cxn ang="0">
+                  <a:pos x="T5" y="T7"/>
+                </a:cxn>
+                <a:cxn ang="0">
+                  <a:pos x="T9" y="T11"/>
+                </a:cxn>
+                <a:cxn ang="0">
+                  <a:pos x="T13" y="T15"/>
+                </a:cxn>
+              </a:cxnLst>
+              <a:rect l="0" t="0" r="r" b="b"/>
+              <a:pathLst>
+                <a:path w="2329" h="1165">
+                  <a:moveTo>
+                    <a:pt x="2329" y="1164"/>
+                  </a:moveTo>
+                  <a:lnTo>
+                    <a:pt x="1165" y="0"/>
+                  </a:lnTo>
+                  <a:lnTo>
+                    <a:pt x="0" y="1164"/>
+                  </a:lnTo>
+                  <a:lnTo>
+                    <a:pt x="2329" y="1164"/>
+                  </a:lnTo>
+                </a:path>
+              </a:pathLst>
+            </a:custGeom>
+            <a:solidFill>
+              <a:schemeClr val="accent3"/>
+            </a:solidFill>
+            <a:ln>
+              <a:noFill/>
+            </a:ln>
+            <a:extLst>
+              <a:ext uri="{91240B29-F687-4F45-9708-019B960494DF}">
+                <a14:hiddenLine xmlns:a14="http://schemas.microsoft.com/office/drawing/2010/main" w="9525">
+                  <a:solidFill>
+                    <a:srgbClr val="000000"/>
+                  </a:solidFill>
+                  <a:round/>
+                  <a:headEnd/>
+                  <a:tailEnd/>
+                </a14:hiddenLine>
+              </a:ext>
+            </a:extLst>
+          </p:spPr>
+          <p:txBody>
+            <a:bodyPr rot="0" vert="horz" wrap="square" lIns="91440" tIns="45720" rIns="91440" bIns="45720" rtlCol="0" anchor="t" anchorCtr="0" upright="1">
+              <a:noAutofit/>
+            </a:bodyPr>
+            <a:lstStyle>
+              <a:defPPr>
+                <a:defRPr lang="pt-BR"/>
+              </a:defPPr>
+            </a:lstStyle>
+            <a:p>
+              <a:pPr rtl="0"/>
+              <a:endParaRPr lang="pt-BR" dirty="0"/>
+            </a:p>
+          </p:txBody>
+        </p:sp>
+      </p:grpSp>
+      <p:sp>
+        <p:nvSpPr>
+          <p:cNvPr id="4" name="Rectangle 2">
+            <a:extLst>
+              <a:ext uri="{FF2B5EF4-FFF2-40B4-BE49-F238E27FC236}">
+                <a16:creationId xmlns:a16="http://schemas.microsoft.com/office/drawing/2014/main" id="{A6A74CB6-8E6F-6ED0-0AAC-D3C7284F20C9}"/>
+              </a:ext>
+            </a:extLst>
+          </p:cNvPr>
+          <p:cNvSpPr>
+            <a:spLocks noChangeArrowheads="1"/>
+          </p:cNvSpPr>
+          <p:nvPr/>
+        </p:nvSpPr>
+        <p:spPr bwMode="auto">
+          <a:xfrm>
+            <a:off x="0" y="0"/>
+            <a:ext cx="12192000" cy="457200"/>
+          </a:xfrm>
+          <a:prstGeom prst="rect">
+            <a:avLst/>
+          </a:prstGeom>
+          <a:noFill/>
+          <a:ln>
+            <a:noFill/>
+          </a:ln>
+          <a:effectLst/>
+          <a:extLst>
+            <a:ext uri="{909E8E84-426E-40DD-AFC4-6F175D3DCCD1}">
+              <a14:hiddenFill xmlns:a14="http://schemas.microsoft.com/office/drawing/2010/main">
+                <a:solidFill>
+                  <a:schemeClr val="accent1"/>
+                </a:solidFill>
+              </a14:hiddenFill>
+            </a:ext>
+            <a:ext uri="{91240B29-F687-4F45-9708-019B960494DF}">
+              <a14:hiddenLine xmlns:a14="http://schemas.microsoft.com/office/drawing/2010/main" w="9525">
+                <a:solidFill>
+                  <a:schemeClr val="tx1"/>
+                </a:solidFill>
+                <a:miter lim="800000"/>
+                <a:headEnd/>
+                <a:tailEnd/>
+              </a14:hiddenLine>
+            </a:ext>
+            <a:ext uri="{AF507438-7753-43E0-B8FC-AC1667EBCBE1}">
+              <a14:hiddenEffects xmlns:a14="http://schemas.microsoft.com/office/drawing/2010/main">
+                <a:effectLst>
+                  <a:outerShdw dist="35921" dir="2700000" algn="ctr" rotWithShape="0">
+                    <a:schemeClr val="bg2"/>
+                  </a:outerShdw>
+                </a:effectLst>
+              </a14:hiddenEffects>
+            </a:ext>
+          </a:extLst>
+        </p:spPr>
+        <p:txBody>
+          <a:bodyPr vert="horz" wrap="none" lIns="91440" tIns="45720" rIns="91440" bIns="45720" numCol="1" anchor="ctr" anchorCtr="0" compatLnSpc="1">
+            <a:prstTxWarp prst="textNoShape">
+              <a:avLst/>
+            </a:prstTxWarp>
+            <a:spAutoFit/>
+          </a:bodyPr>
+          <a:lstStyle/>
+          <a:p>
+            <a:pPr marL="0" marR="0" lvl="0" indent="0" algn="l" defTabSz="914400" rtl="0" eaLnBrk="0" fontAlgn="base" latinLnBrk="0" hangingPunct="0">
+              <a:lnSpc>
+                <a:spcPct val="100000"/>
+              </a:lnSpc>
+              <a:spcBef>
+                <a:spcPct val="0"/>
+              </a:spcBef>
+              <a:spcAft>
+                <a:spcPct val="0"/>
+              </a:spcAft>
+              <a:buClrTx/>
+              <a:buSzTx/>
+              <a:buFontTx/>
+              <a:buNone/>
+              <a:tabLst/>
+            </a:pPr>
+            <a:r>
+              <a:rPr kumimoji="0" lang="es-ES" altLang="pt-BR" sz="1000" b="0" i="0" u="none" strike="noStrike" cap="none" normalizeH="0" baseline="0">
+                <a:ln>
+                  <a:noFill/>
+                </a:ln>
+                <a:solidFill>
+                  <a:schemeClr val="tx1"/>
+                </a:solidFill>
+                <a:effectLst/>
+                <a:latin typeface="Arial Unicode MS"/>
+              </a:rPr>
+              <a:t>utilizar los resultados de algoritmos para generar valor a través del diseño de campañas dirigidas a cada grupo</a:t>
+            </a:r>
+            <a:r>
+              <a:rPr kumimoji="0" lang="es-ES" altLang="pt-BR" sz="600" b="0" i="0" u="none" strike="noStrike" cap="none" normalizeH="0" baseline="0">
+                <a:ln>
+                  <a:noFill/>
+                </a:ln>
+                <a:solidFill>
+                  <a:schemeClr val="tx1"/>
+                </a:solidFill>
+                <a:effectLst/>
+              </a:rPr>
+              <a:t> </a:t>
+            </a:r>
+            <a:endParaRPr kumimoji="0" lang="es-ES" altLang="pt-BR" sz="1800" b="0" i="0" u="none" strike="noStrike" cap="none" normalizeH="0" baseline="0">
+              <a:ln>
+                <a:noFill/>
+              </a:ln>
+              <a:solidFill>
+                <a:schemeClr val="tx1"/>
+              </a:solidFill>
+              <a:effectLst/>
+              <a:latin typeface="Arial" panose="020B0604020202020204" pitchFamily="34" charset="0"/>
+            </a:endParaRPr>
+          </a:p>
+        </p:txBody>
+      </p:sp>
+    </p:spTree>
+    <p:extLst>
+      <p:ext uri="{BB962C8B-B14F-4D97-AF65-F5344CB8AC3E}">
+        <p14:creationId xmlns:p14="http://schemas.microsoft.com/office/powerpoint/2010/main" val="3178956556"/>
+      </p:ext>
+    </p:extLst>
+  </p:cSld>
+  <p:clrMapOvr>
+    <a:masterClrMapping/>
+  </p:clrMapOvr>
+</p:sld>
+</file>
+
 <file path=ppt/slides/slide15.xml><?xml version="1.0" encoding="utf-8"?>
+<p:sld xmlns:a="http://schemas.openxmlformats.org/drawingml/2006/main" xmlns:r="http://schemas.openxmlformats.org/officeDocument/2006/relationships" xmlns:p="http://schemas.openxmlformats.org/presentationml/2006/main">
+  <p:cSld>
+    <p:spTree>
+      <p:nvGrpSpPr>
+        <p:cNvPr id="1" name="">
+          <a:extLst>
+            <a:ext uri="{FF2B5EF4-FFF2-40B4-BE49-F238E27FC236}">
+              <a16:creationId xmlns:a16="http://schemas.microsoft.com/office/drawing/2014/main" id="{9593FCD4-AD98-B3B2-E34D-FE2058A48FEB}"/>
+            </a:ext>
+          </a:extLst>
+        </p:cNvPr>
+        <p:cNvGrpSpPr/>
+        <p:nvPr/>
+      </p:nvGrpSpPr>
+      <p:grpSpPr>
+        <a:xfrm>
+          <a:off x="0" y="0"/>
+          <a:ext cx="0" cy="0"/>
+          <a:chOff x="0" y="0"/>
+          <a:chExt cx="0" cy="0"/>
+        </a:xfrm>
+      </p:grpSpPr>
+      <p:sp>
+        <p:nvSpPr>
+          <p:cNvPr id="2" name="Título 1">
+            <a:extLst>
+              <a:ext uri="{FF2B5EF4-FFF2-40B4-BE49-F238E27FC236}">
+                <a16:creationId xmlns:a16="http://schemas.microsoft.com/office/drawing/2014/main" id="{C7237009-E4BB-6AC2-CE7D-4E753CB92B5E}"/>
+              </a:ext>
+            </a:extLst>
+          </p:cNvPr>
+          <p:cNvSpPr>
+            <a:spLocks noGrp="1"/>
+          </p:cNvSpPr>
+          <p:nvPr>
+            <p:ph type="title"/>
+          </p:nvPr>
+        </p:nvSpPr>
+        <p:spPr>
+          <a:xfrm>
+            <a:off x="575310" y="278129"/>
+            <a:ext cx="5063490" cy="2354026"/>
+          </a:xfrm>
+        </p:spPr>
+        <p:txBody>
+          <a:bodyPr rtlCol="0"/>
+          <a:lstStyle>
+            <a:defPPr>
+              <a:defRPr lang="pt-BR"/>
+            </a:defPPr>
+          </a:lstStyle>
+          <a:p>
+            <a:pPr rtl="0"/>
+            <a:r>
+              <a:rPr lang="pt-BR" dirty="0"/>
+              <a:t>Próximos </a:t>
+            </a:r>
+            <a:r>
+              <a:rPr lang="pt-BR" dirty="0" err="1"/>
+              <a:t>Pasos</a:t>
+            </a:r>
+            <a:endParaRPr lang="pt-BR" dirty="0"/>
+          </a:p>
+        </p:txBody>
+      </p:sp>
+      <p:pic>
+        <p:nvPicPr>
+          <p:cNvPr id="5" name="Espaço Reservado para Imagem 52" descr="Lâmpadas pendentes">
+            <a:extLst>
+              <a:ext uri="{FF2B5EF4-FFF2-40B4-BE49-F238E27FC236}">
+                <a16:creationId xmlns:a16="http://schemas.microsoft.com/office/drawing/2014/main" id="{86555BE2-89D2-C968-B5A4-82147ED686BE}"/>
+              </a:ext>
+            </a:extLst>
+          </p:cNvPr>
+          <p:cNvPicPr>
+            <a:picLocks noGrp="1" noChangeAspect="1"/>
+          </p:cNvPicPr>
+          <p:nvPr>
+            <p:ph type="pic" sz="quarter" idx="15"/>
+          </p:nvPr>
+        </p:nvPicPr>
+        <p:blipFill>
+          <a:blip r:embed="rId3">
+            <a:extLst>
+              <a:ext uri="{28A0092B-C50C-407E-A947-70E740481C1C}">
+                <a14:useLocalDpi xmlns:a14="http://schemas.microsoft.com/office/drawing/2010/main" val="0"/>
+              </a:ext>
+            </a:extLst>
+          </a:blip>
+          <a:srcRect l="16" r="16"/>
+          <a:stretch/>
+        </p:blipFill>
+        <p:spPr>
+          <a:xfrm>
+            <a:off x="6096000" y="0"/>
+            <a:ext cx="6118225" cy="6858000"/>
+          </a:xfrm>
+        </p:spPr>
+      </p:pic>
+      <p:sp>
+        <p:nvSpPr>
+          <p:cNvPr id="4" name="CaixaDeTexto 3">
+            <a:extLst>
+              <a:ext uri="{FF2B5EF4-FFF2-40B4-BE49-F238E27FC236}">
+                <a16:creationId xmlns:a16="http://schemas.microsoft.com/office/drawing/2014/main" id="{9E2BA1CC-5CE5-C329-3BDF-49D22F562851}"/>
+              </a:ext>
+            </a:extLst>
+          </p:cNvPr>
+          <p:cNvSpPr txBox="1"/>
+          <p:nvPr/>
+        </p:nvSpPr>
+        <p:spPr>
+          <a:xfrm>
+            <a:off x="499310" y="3278606"/>
+            <a:ext cx="5139490" cy="2308324"/>
+          </a:xfrm>
+          <a:prstGeom prst="rect">
+            <a:avLst/>
+          </a:prstGeom>
+          <a:noFill/>
+        </p:spPr>
+        <p:txBody>
+          <a:bodyPr wrap="square" rtlCol="0">
+            <a:spAutoFit/>
+          </a:bodyPr>
+          <a:lstStyle/>
+          <a:p>
+            <a:pPr marL="285750" indent="-285750">
+              <a:buFontTx/>
+              <a:buChar char="-"/>
+            </a:pPr>
+            <a:r>
+              <a:rPr lang="es-ES" dirty="0">
+                <a:solidFill>
+                  <a:schemeClr val="bg1"/>
+                </a:solidFill>
+              </a:rPr>
+              <a:t>Comunicarse con el equipo de estrategia de ventas y marketing para diseñar campañas que tengan sentido para perfiles de vendedores específicos;</a:t>
+            </a:r>
+          </a:p>
+          <a:p>
+            <a:pPr marL="285750" indent="-285750">
+              <a:buFontTx/>
+              <a:buChar char="-"/>
+            </a:pPr>
+            <a:endParaRPr lang="es-ES" dirty="0">
+              <a:solidFill>
+                <a:schemeClr val="bg1"/>
+              </a:solidFill>
+            </a:endParaRPr>
+          </a:p>
+          <a:p>
+            <a:r>
+              <a:rPr lang="es-ES" dirty="0">
+                <a:solidFill>
+                  <a:schemeClr val="bg1"/>
+                </a:solidFill>
+              </a:rPr>
+              <a:t>- Estudiar estrategias para enriquecer los datos buscando la mejora continua en el algoritmo.</a:t>
+            </a:r>
+          </a:p>
+          <a:p>
+            <a:endParaRPr lang="es-ES" dirty="0"/>
+          </a:p>
+        </p:txBody>
+      </p:sp>
+    </p:spTree>
+    <p:extLst>
+      <p:ext uri="{BB962C8B-B14F-4D97-AF65-F5344CB8AC3E}">
+        <p14:creationId xmlns:p14="http://schemas.microsoft.com/office/powerpoint/2010/main" val="3780637943"/>
+      </p:ext>
+    </p:extLst>
+  </p:cSld>
+  <p:clrMapOvr>
+    <a:masterClrMapping/>
+  </p:clrMapOvr>
+</p:sld>
+</file>
+
+<file path=ppt/slides/slide16.xml><?xml version="1.0" encoding="utf-8"?>
 <p:sld xmlns:a="http://schemas.openxmlformats.org/drawingml/2006/main" xmlns:r="http://schemas.openxmlformats.org/officeDocument/2006/relationships" xmlns:p="http://schemas.openxmlformats.org/presentationml/2006/main">
   <p:cSld>
     <p:spTree>
@@ -15462,6 +16136,15 @@
 </file>
 
 <file path=customXml/item1.xml><?xml version="1.0" encoding="utf-8"?>
+<?mso-contentType ?>
+<FormTemplates xmlns="http://schemas.microsoft.com/sharepoint/v3/contenttype/forms">
+  <Display>DocumentLibraryForm</Display>
+  <Edit>DocumentLibraryForm</Edit>
+  <New>DocumentLibraryForm</New>
+</FormTemplates>
+</file>
+
+<file path=customXml/item2.xml><?xml version="1.0" encoding="utf-8"?>
 <p:properties xmlns:p="http://schemas.microsoft.com/office/2006/metadata/properties" xmlns:xsi="http://www.w3.org/2001/XMLSchema-instance" xmlns:pc="http://schemas.microsoft.com/office/infopath/2007/PartnerControls">
   <documentManagement>
     <Background xmlns="71af3243-3dd4-4a8d-8c0d-dd76da1f02a5">false</Background>
@@ -15479,15 +16162,6 @@
     <MediaServiceKeyPoints xmlns="71af3243-3dd4-4a8d-8c0d-dd76da1f02a5" xsi:nil="true"/>
   </documentManagement>
 </p:properties>
-</file>
-
-<file path=customXml/item2.xml><?xml version="1.0" encoding="utf-8"?>
-<?mso-contentType ?>
-<FormTemplates xmlns="http://schemas.microsoft.com/sharepoint/v3/contenttype/forms">
-  <Display>DocumentLibraryForm</Display>
-  <Edit>DocumentLibraryForm</Edit>
-  <New>DocumentLibraryForm</New>
-</FormTemplates>
 </file>
 
 <file path=customXml/item3.xml><?xml version="1.0" encoding="utf-8"?>
@@ -15803,6 +16477,14 @@
 </file>
 
 <file path=customXml/itemProps1.xml><?xml version="1.0" encoding="utf-8"?>
+<ds:datastoreItem xmlns:ds="http://schemas.openxmlformats.org/officeDocument/2006/customXml" ds:itemID="{C21FFAC0-05A2-416A-B06C-C248395482CF}">
+  <ds:schemaRefs>
+    <ds:schemaRef ds:uri="http://schemas.microsoft.com/sharepoint/v3/contenttype/forms"/>
+  </ds:schemaRefs>
+</ds:datastoreItem>
+</file>
+
+<file path=customXml/itemProps2.xml><?xml version="1.0" encoding="utf-8"?>
 <ds:datastoreItem xmlns:ds="http://schemas.openxmlformats.org/officeDocument/2006/customXml" ds:itemID="{4F4B194E-8B30-4377-8C59-ECFB902D2A26}">
   <ds:schemaRefs>
     <ds:schemaRef ds:uri="http://schemas.microsoft.com/office/2006/metadata/properties"/>
@@ -15810,14 +16492,6 @@
     <ds:schemaRef ds:uri="71af3243-3dd4-4a8d-8c0d-dd76da1f02a5"/>
     <ds:schemaRef ds:uri="http://schemas.microsoft.com/sharepoint/v3"/>
     <ds:schemaRef ds:uri="230e9df3-be65-4c73-a93b-d1236ebd677e"/>
-  </ds:schemaRefs>
-</ds:datastoreItem>
-</file>
-
-<file path=customXml/itemProps2.xml><?xml version="1.0" encoding="utf-8"?>
-<ds:datastoreItem xmlns:ds="http://schemas.openxmlformats.org/officeDocument/2006/customXml" ds:itemID="{C21FFAC0-05A2-416A-B06C-C248395482CF}">
-  <ds:schemaRefs>
-    <ds:schemaRef ds:uri="http://schemas.microsoft.com/sharepoint/v3/contenttype/forms"/>
   </ds:schemaRefs>
 </ds:datastoreItem>
 </file>
